--- a/lesson12/Bean.pptx
+++ b/lesson12/Bean.pptx
@@ -10,6 +10,7 @@
     <p:sldId id="258" r:id="rId4"/>
     <p:sldId id="260" r:id="rId5"/>
     <p:sldId id="259" r:id="rId6"/>
+    <p:sldId id="261" r:id="rId7"/>
   </p:sldIdLst>
   <p:sldSz cx="9144000" cy="6858000" type="screen4x3"/>
   <p:notesSz cx="6858000" cy="9144000"/>
@@ -293,7 +294,7 @@
             <a:fld id="{530820CF-B880-4189-942D-D702A7CBA730}" type="datetimeFigureOut">
               <a:rPr lang="zh-CN" altLang="en-US" smtClean="0"/>
               <a:pPr/>
-              <a:t>2015/4/26</a:t>
+              <a:t>2015/4/28</a:t>
             </a:fld>
             <a:endParaRPr lang="zh-CN" altLang="en-US"/>
           </a:p>
@@ -460,7 +461,7 @@
             <a:fld id="{530820CF-B880-4189-942D-D702A7CBA730}" type="datetimeFigureOut">
               <a:rPr lang="zh-CN" altLang="en-US" smtClean="0"/>
               <a:pPr/>
-              <a:t>2015/4/26</a:t>
+              <a:t>2015/4/28</a:t>
             </a:fld>
             <a:endParaRPr lang="zh-CN" altLang="en-US"/>
           </a:p>
@@ -637,7 +638,7 @@
             <a:fld id="{530820CF-B880-4189-942D-D702A7CBA730}" type="datetimeFigureOut">
               <a:rPr lang="zh-CN" altLang="en-US" smtClean="0"/>
               <a:pPr/>
-              <a:t>2015/4/26</a:t>
+              <a:t>2015/4/28</a:t>
             </a:fld>
             <a:endParaRPr lang="zh-CN" altLang="en-US"/>
           </a:p>
@@ -804,7 +805,7 @@
             <a:fld id="{530820CF-B880-4189-942D-D702A7CBA730}" type="datetimeFigureOut">
               <a:rPr lang="zh-CN" altLang="en-US" smtClean="0"/>
               <a:pPr/>
-              <a:t>2015/4/26</a:t>
+              <a:t>2015/4/28</a:t>
             </a:fld>
             <a:endParaRPr lang="zh-CN" altLang="en-US"/>
           </a:p>
@@ -1047,7 +1048,7 @@
             <a:fld id="{530820CF-B880-4189-942D-D702A7CBA730}" type="datetimeFigureOut">
               <a:rPr lang="zh-CN" altLang="en-US" smtClean="0"/>
               <a:pPr/>
-              <a:t>2015/4/26</a:t>
+              <a:t>2015/4/28</a:t>
             </a:fld>
             <a:endParaRPr lang="zh-CN" altLang="en-US"/>
           </a:p>
@@ -1332,7 +1333,7 @@
             <a:fld id="{530820CF-B880-4189-942D-D702A7CBA730}" type="datetimeFigureOut">
               <a:rPr lang="zh-CN" altLang="en-US" smtClean="0"/>
               <a:pPr/>
-              <a:t>2015/4/26</a:t>
+              <a:t>2015/4/28</a:t>
             </a:fld>
             <a:endParaRPr lang="zh-CN" altLang="en-US"/>
           </a:p>
@@ -1751,7 +1752,7 @@
             <a:fld id="{530820CF-B880-4189-942D-D702A7CBA730}" type="datetimeFigureOut">
               <a:rPr lang="zh-CN" altLang="en-US" smtClean="0"/>
               <a:pPr/>
-              <a:t>2015/4/26</a:t>
+              <a:t>2015/4/28</a:t>
             </a:fld>
             <a:endParaRPr lang="zh-CN" altLang="en-US"/>
           </a:p>
@@ -1866,7 +1867,7 @@
             <a:fld id="{530820CF-B880-4189-942D-D702A7CBA730}" type="datetimeFigureOut">
               <a:rPr lang="zh-CN" altLang="en-US" smtClean="0"/>
               <a:pPr/>
-              <a:t>2015/4/26</a:t>
+              <a:t>2015/4/28</a:t>
             </a:fld>
             <a:endParaRPr lang="zh-CN" altLang="en-US"/>
           </a:p>
@@ -1958,7 +1959,7 @@
             <a:fld id="{530820CF-B880-4189-942D-D702A7CBA730}" type="datetimeFigureOut">
               <a:rPr lang="zh-CN" altLang="en-US" smtClean="0"/>
               <a:pPr/>
-              <a:t>2015/4/26</a:t>
+              <a:t>2015/4/28</a:t>
             </a:fld>
             <a:endParaRPr lang="zh-CN" altLang="en-US"/>
           </a:p>
@@ -2232,7 +2233,7 @@
             <a:fld id="{530820CF-B880-4189-942D-D702A7CBA730}" type="datetimeFigureOut">
               <a:rPr lang="zh-CN" altLang="en-US" smtClean="0"/>
               <a:pPr/>
-              <a:t>2015/4/26</a:t>
+              <a:t>2015/4/28</a:t>
             </a:fld>
             <a:endParaRPr lang="zh-CN" altLang="en-US"/>
           </a:p>
@@ -2482,7 +2483,7 @@
             <a:fld id="{530820CF-B880-4189-942D-D702A7CBA730}" type="datetimeFigureOut">
               <a:rPr lang="zh-CN" altLang="en-US" smtClean="0"/>
               <a:pPr/>
-              <a:t>2015/4/26</a:t>
+              <a:t>2015/4/28</a:t>
             </a:fld>
             <a:endParaRPr lang="zh-CN" altLang="en-US"/>
           </a:p>
@@ -2692,7 +2693,7 @@
             <a:fld id="{530820CF-B880-4189-942D-D702A7CBA730}" type="datetimeFigureOut">
               <a:rPr lang="zh-CN" altLang="en-US" smtClean="0"/>
               <a:pPr/>
-              <a:t>2015/4/26</a:t>
+              <a:t>2015/4/28</a:t>
             </a:fld>
             <a:endParaRPr lang="zh-CN" altLang="en-US"/>
           </a:p>
@@ -3110,6 +3111,13 @@
   <p:clrMapOvr>
     <a:masterClrMapping/>
   </p:clrMapOvr>
+  <p:timing>
+    <p:tnLst>
+      <p:par>
+        <p:cTn id="1" dur="indefinite" restart="never" nodeType="tmRoot"/>
+      </p:par>
+    </p:tnLst>
+  </p:timing>
 </p:sld>
 </file>
 
@@ -3248,11 +3256,7 @@
             <a:pPr lvl="1"/>
             <a:r>
               <a:rPr lang="zh-CN" altLang="en-US" dirty="0" smtClean="0"/>
-              <a:t>可</a:t>
-            </a:r>
-            <a:r>
-              <a:rPr lang="zh-CN" altLang="en-US" dirty="0" smtClean="0"/>
-              <a:t>以讲</a:t>
+              <a:t>可以讲</a:t>
             </a:r>
             <a:r>
               <a:rPr lang="en-US" altLang="zh-CN" dirty="0" smtClean="0"/>
@@ -3293,6 +3297,13 @@
   <p:clrMapOvr>
     <a:masterClrMapping/>
   </p:clrMapOvr>
+  <p:timing>
+    <p:tnLst>
+      <p:par>
+        <p:cTn id="1" dur="indefinite" restart="never" nodeType="tmRoot"/>
+      </p:par>
+    </p:tnLst>
+  </p:timing>
 </p:sld>
 </file>
 
@@ -3368,11 +3379,7 @@
           <a:p>
             <a:r>
               <a:rPr lang="zh-CN" altLang="en-US" dirty="0" smtClean="0"/>
-              <a:t>没</a:t>
-            </a:r>
-            <a:r>
-              <a:rPr lang="zh-CN" altLang="en-US" dirty="0" smtClean="0"/>
-              <a:t>有</a:t>
+              <a:t>没有</a:t>
             </a:r>
             <a:r>
               <a:rPr lang="en-US" altLang="zh-CN" dirty="0" smtClean="0"/>
@@ -3387,11 +3394,7 @@
           <a:p>
             <a:r>
               <a:rPr lang="zh-CN" altLang="en-US" dirty="0" smtClean="0"/>
-              <a:t>通</a:t>
-            </a:r>
-            <a:r>
-              <a:rPr lang="zh-CN" altLang="en-US" dirty="0" smtClean="0"/>
-              <a:t>过</a:t>
+              <a:t>通过</a:t>
             </a:r>
             <a:r>
               <a:rPr lang="en-US" altLang="zh-CN" dirty="0" err="1" smtClean="0"/>
@@ -3418,6 +3421,13 @@
   <p:clrMapOvr>
     <a:masterClrMapping/>
   </p:clrMapOvr>
+  <p:timing>
+    <p:tnLst>
+      <p:par>
+        <p:cTn id="1" dur="indefinite" restart="never" nodeType="tmRoot"/>
+      </p:par>
+    </p:tnLst>
+  </p:timing>
 </p:sld>
 </file>
 
@@ -3504,6 +3514,13 @@
   <p:clrMapOvr>
     <a:masterClrMapping/>
   </p:clrMapOvr>
+  <p:timing>
+    <p:tnLst>
+      <p:par>
+        <p:cTn id="1" dur="indefinite" restart="never" nodeType="tmRoot"/>
+      </p:par>
+    </p:tnLst>
+  </p:timing>
 </p:sld>
 </file>
 
@@ -3589,6 +3606,84 @@
           </a:ln>
         </p:spPr>
       </p:pic>
+    </p:spTree>
+  </p:cSld>
+  <p:clrMapOvr>
+    <a:masterClrMapping/>
+  </p:clrMapOvr>
+  <p:timing>
+    <p:tnLst>
+      <p:par>
+        <p:cTn id="1" dur="indefinite" restart="never" nodeType="tmRoot"/>
+      </p:par>
+    </p:tnLst>
+  </p:timing>
+</p:sld>
+</file>
+
+<file path=ppt/slides/slide6.xml><?xml version="1.0" encoding="utf-8"?>
+<p:sld xmlns:a="http://schemas.openxmlformats.org/drawingml/2006/main" xmlns:r="http://schemas.openxmlformats.org/officeDocument/2006/relationships" xmlns:p="http://schemas.openxmlformats.org/presentationml/2006/main">
+  <p:cSld>
+    <p:spTree>
+      <p:nvGrpSpPr>
+        <p:cNvPr id="1" name=""/>
+        <p:cNvGrpSpPr/>
+        <p:nvPr/>
+      </p:nvGrpSpPr>
+      <p:grpSpPr>
+        <a:xfrm>
+          <a:off x="0" y="0"/>
+          <a:ext cx="0" cy="0"/>
+          <a:chOff x="0" y="0"/>
+          <a:chExt cx="0" cy="0"/>
+        </a:xfrm>
+      </p:grpSpPr>
+      <p:sp>
+        <p:nvSpPr>
+          <p:cNvPr id="2" name="标题 1"/>
+          <p:cNvSpPr>
+            <a:spLocks noGrp="1"/>
+          </p:cNvSpPr>
+          <p:nvPr>
+            <p:ph type="title"/>
+          </p:nvPr>
+        </p:nvSpPr>
+        <p:spPr/>
+        <p:txBody>
+          <a:bodyPr/>
+          <a:lstStyle/>
+          <a:p>
+            <a:r>
+              <a:rPr lang="en-US" altLang="zh-CN" dirty="0" smtClean="0"/>
+              <a:t>ORM</a:t>
+            </a:r>
+            <a:endParaRPr lang="zh-CN" altLang="en-US" dirty="0"/>
+          </a:p>
+        </p:txBody>
+      </p:sp>
+      <p:sp>
+        <p:nvSpPr>
+          <p:cNvPr id="3" name="内容占位符 2"/>
+          <p:cNvSpPr>
+            <a:spLocks noGrp="1"/>
+          </p:cNvSpPr>
+          <p:nvPr>
+            <p:ph idx="1"/>
+          </p:nvPr>
+        </p:nvSpPr>
+        <p:spPr/>
+        <p:txBody>
+          <a:bodyPr/>
+          <a:lstStyle/>
+          <a:p>
+            <a:r>
+              <a:rPr lang="en-US" altLang="zh-CN" dirty="0" smtClean="0"/>
+              <a:t>Object Relation Map</a:t>
+            </a:r>
+            <a:endParaRPr lang="zh-CN" altLang="en-US" dirty="0"/>
+          </a:p>
+        </p:txBody>
+      </p:sp>
     </p:spTree>
   </p:cSld>
   <p:clrMapOvr>
